--- a/presentations/meeting_2.pptx
+++ b/presentations/meeting_2.pptx
@@ -3102,7 +3102,15 @@
           <a:p>
             <a:r>
               <a:rPr lang="en-US" dirty="0" smtClean="0"/>
-              <a:t>Achieve the above is the shortest time possible</a:t>
+              <a:t>Achieve the </a:t>
+            </a:r>
+            <a:r>
+              <a:rPr lang="en-US" smtClean="0"/>
+              <a:t>above in </a:t>
+            </a:r>
+            <a:r>
+              <a:rPr lang="en-US" dirty="0" smtClean="0"/>
+              <a:t>the shortest time possible</a:t>
             </a:r>
             <a:endParaRPr lang="en-US" dirty="0"/>
           </a:p>
